--- a/proposal/final_presentation.pptx
+++ b/proposal/final_presentation.pptx
@@ -2971,7 +2971,7 @@
           <a:p>
             <a:fld id="{5BCAD085-E8A6-8845-BD4E-CB4CCA059FC4}" type="datetimeFigureOut">
               <a:rPr lang="en-US" smtClean="0"/>
-              <a:t>11/24/25</a:t>
+              <a:t>12/3/25</a:t>
             </a:fld>
             <a:endParaRPr lang="en-US"/>
           </a:p>
@@ -3139,7 +3139,7 @@
           <a:p>
             <a:fld id="{5BCAD085-E8A6-8845-BD4E-CB4CCA059FC4}" type="datetimeFigureOut">
               <a:rPr lang="en-US" smtClean="0"/>
-              <a:t>11/24/25</a:t>
+              <a:t>12/3/25</a:t>
             </a:fld>
             <a:endParaRPr lang="en-US"/>
           </a:p>
@@ -3317,7 +3317,7 @@
           <a:p>
             <a:fld id="{5BCAD085-E8A6-8845-BD4E-CB4CCA059FC4}" type="datetimeFigureOut">
               <a:rPr lang="en-US" smtClean="0"/>
-              <a:t>11/24/25</a:t>
+              <a:t>12/3/25</a:t>
             </a:fld>
             <a:endParaRPr lang="en-US"/>
           </a:p>
@@ -3485,7 +3485,7 @@
           <a:p>
             <a:fld id="{5BCAD085-E8A6-8845-BD4E-CB4CCA059FC4}" type="datetimeFigureOut">
               <a:rPr lang="en-US" smtClean="0"/>
-              <a:t>11/24/25</a:t>
+              <a:t>12/3/25</a:t>
             </a:fld>
             <a:endParaRPr lang="en-US"/>
           </a:p>
@@ -3730,7 +3730,7 @@
           <a:p>
             <a:fld id="{5BCAD085-E8A6-8845-BD4E-CB4CCA059FC4}" type="datetimeFigureOut">
               <a:rPr lang="en-US" smtClean="0"/>
-              <a:t>11/24/25</a:t>
+              <a:t>12/3/25</a:t>
             </a:fld>
             <a:endParaRPr lang="en-US"/>
           </a:p>
@@ -4015,7 +4015,7 @@
           <a:p>
             <a:fld id="{5BCAD085-E8A6-8845-BD4E-CB4CCA059FC4}" type="datetimeFigureOut">
               <a:rPr lang="en-US" smtClean="0"/>
-              <a:t>11/24/25</a:t>
+              <a:t>12/3/25</a:t>
             </a:fld>
             <a:endParaRPr lang="en-US"/>
           </a:p>
@@ -4434,7 +4434,7 @@
           <a:p>
             <a:fld id="{5BCAD085-E8A6-8845-BD4E-CB4CCA059FC4}" type="datetimeFigureOut">
               <a:rPr lang="en-US" smtClean="0"/>
-              <a:t>11/24/25</a:t>
+              <a:t>12/3/25</a:t>
             </a:fld>
             <a:endParaRPr lang="en-US"/>
           </a:p>
@@ -4551,7 +4551,7 @@
           <a:p>
             <a:fld id="{5BCAD085-E8A6-8845-BD4E-CB4CCA059FC4}" type="datetimeFigureOut">
               <a:rPr lang="en-US" smtClean="0"/>
-              <a:t>11/24/25</a:t>
+              <a:t>12/3/25</a:t>
             </a:fld>
             <a:endParaRPr lang="en-US"/>
           </a:p>
@@ -4646,7 +4646,7 @@
           <a:p>
             <a:fld id="{5BCAD085-E8A6-8845-BD4E-CB4CCA059FC4}" type="datetimeFigureOut">
               <a:rPr lang="en-US" smtClean="0"/>
-              <a:t>11/24/25</a:t>
+              <a:t>12/3/25</a:t>
             </a:fld>
             <a:endParaRPr lang="en-US"/>
           </a:p>
@@ -4921,7 +4921,7 @@
           <a:p>
             <a:fld id="{5BCAD085-E8A6-8845-BD4E-CB4CCA059FC4}" type="datetimeFigureOut">
               <a:rPr lang="en-US" smtClean="0"/>
-              <a:t>11/24/25</a:t>
+              <a:t>12/3/25</a:t>
             </a:fld>
             <a:endParaRPr lang="en-US"/>
           </a:p>
@@ -5173,7 +5173,7 @@
           <a:p>
             <a:fld id="{5BCAD085-E8A6-8845-BD4E-CB4CCA059FC4}" type="datetimeFigureOut">
               <a:rPr lang="en-US" smtClean="0"/>
-              <a:t>11/24/25</a:t>
+              <a:t>12/3/25</a:t>
             </a:fld>
             <a:endParaRPr lang="en-US"/>
           </a:p>
@@ -5384,7 +5384,7 @@
           <a:p>
             <a:fld id="{5BCAD085-E8A6-8845-BD4E-CB4CCA059FC4}" type="datetimeFigureOut">
               <a:rPr lang="en-US" smtClean="0"/>
-              <a:t>11/24/25</a:t>
+              <a:t>12/3/25</a:t>
             </a:fld>
             <a:endParaRPr lang="en-US"/>
           </a:p>
@@ -8229,8 +8229,8 @@
           </a:p>
         </p:txBody>
       </p:sp>
-      <mc:AlternateContent xmlns:mc="http://schemas.openxmlformats.org/markup-compatibility/2006">
-        <mc:Choice xmlns:a14="http://schemas.microsoft.com/office/drawing/2010/main" Requires="a14">
+      <mc:AlternateContent xmlns:mc="http://schemas.openxmlformats.org/markup-compatibility/2006" xmlns:a14="http://schemas.microsoft.com/office/drawing/2010/main">
+        <mc:Choice Requires="a14">
           <p:sp>
             <p:nvSpPr>
               <p:cNvPr id="14" name="TextBox 13">
@@ -8405,7 +8405,7 @@
             </p:txBody>
           </p:sp>
         </mc:Choice>
-        <mc:Fallback>
+        <mc:Fallback xmlns="">
           <p:sp>
             <p:nvSpPr>
               <p:cNvPr id="14" name="TextBox 13">
@@ -9582,7 +9582,7 @@
         </p:blipFill>
         <p:spPr>
           <a:xfrm>
-            <a:off x="408928" y="1374572"/>
+            <a:off x="408928" y="1396088"/>
             <a:ext cx="5706228" cy="4179812"/>
           </a:xfrm>
           <a:prstGeom prst="rect">
